--- a/Android Developers Website Resources.pptx
+++ b/Android Developers Website Resources.pptx
@@ -109,6 +109,11 @@
       </a:defRPr>
     </a:lvl9pPr>
   </p:defaultTextStyle>
+  <p:extLst>
+    <p:ext uri="{EFAFB233-063F-42B5-8137-9DF3F51BA10A}">
+      <p15:sldGuideLst xmlns:p15="http://schemas.microsoft.com/office/powerpoint/2012/main"/>
+    </p:ext>
+  </p:extLst>
 </p:presentation>
 </file>
 
@@ -6314,23 +6319,7 @@
                   <a:schemeClr val="tx1"/>
                 </a:solidFill>
               </a:rPr>
-              <a:t>Hey look, I </a:t>
-            </a:r>
-            <a:r>
-              <a:rPr lang="en-US" smtClean="0">
-                <a:solidFill>
-                  <a:schemeClr val="tx1"/>
-                </a:solidFill>
-              </a:rPr>
-              <a:t>was browsing </a:t>
-            </a:r>
-            <a:r>
-              <a:rPr lang="en-US" dirty="0" smtClean="0">
-                <a:solidFill>
-                  <a:schemeClr val="tx1"/>
-                </a:solidFill>
-              </a:rPr>
-              <a:t>through the list of libraries on the left and found a built-in library just for </a:t>
+              <a:t>Hey look, I was browsing through the list of libraries on the left and found a built-in library just for </a:t>
             </a:r>
             <a:r>
               <a:rPr lang="en-US" dirty="0" smtClean="0">
